--- a/Homework/Week_2/SU2 보고서 (2주차).pptx
+++ b/Homework/Week_2/SU2 보고서 (2주차).pptx
@@ -21121,10 +21121,36 @@
               <a:t>링크</a:t>
             </a:r>
             <a:r>
+              <a:rPr lang="en-US" altLang="ko-KR" sz="1200" dirty="0"/>
+              <a:t>:</a:t>
+            </a:r>
+            <a:r>
               <a:rPr lang="en-US" altLang="ko-KR" sz="1200" dirty="0">
                 <a:hlinkClick r:id="rId3"/>
               </a:rPr>
-              <a:t>:https://github.com/Bogeuns/CFD_Class_Lecture/tree/main/Lecture/Week_1</a:t>
+              <a:t>https://github.com/</a:t>
+            </a:r>
+            <a:r>
+              <a:rPr lang="en-US" altLang="ko-KR" sz="1200" dirty="0" err="1">
+                <a:hlinkClick r:id="rId3"/>
+              </a:rPr>
+              <a:t>Bogeuns</a:t>
+            </a:r>
+            <a:r>
+              <a:rPr lang="en-US" altLang="ko-KR" sz="1200" dirty="0">
+                <a:hlinkClick r:id="rId3"/>
+              </a:rPr>
+              <a:t>/</a:t>
+            </a:r>
+            <a:r>
+              <a:rPr lang="en-US" altLang="ko-KR" sz="1200" dirty="0" err="1">
+                <a:hlinkClick r:id="rId3"/>
+              </a:rPr>
+              <a:t>CFD_Class_Lecture.git</a:t>
+            </a:r>
+            <a:r>
+              <a:rPr lang="en-US" altLang="ko-KR" sz="1200" dirty="0"/>
+              <a:t> </a:t>
             </a:r>
             <a:endParaRPr lang="ko-KR" altLang="en-US" sz="1200" dirty="0"/>
           </a:p>

--- a/Homework/Week_2/SU2 보고서 (2주차).pptx
+++ b/Homework/Week_2/SU2 보고서 (2주차).pptx
@@ -228,7 +228,7 @@
               <a:pPr lvl="0">
                 <a:defRPr/>
               </a:pPr>
-              <a:t>2025-09-19</a:t>
+              <a:t>2025-09-22</a:t>
             </a:fld>
             <a:endParaRPr lang="ko-KR" altLang="en-US"/>
           </a:p>
@@ -418,7 +418,7 @@
               <a:pPr lvl="0">
                 <a:defRPr/>
               </a:pPr>
-              <a:t>2025-09-19</a:t>
+              <a:t>2025-09-22</a:t>
             </a:fld>
             <a:endParaRPr lang="ko-KR" altLang="en-US"/>
           </a:p>
@@ -8546,7 +8546,7 @@
     <mc:Choice Requires="p14">
       <p:transition/>
     </mc:Choice>
-    <mc:Fallback xmlns:dsp="http://schemas.microsoft.com/office/drawing/2008/diagram" xmlns:dgm="http://schemas.openxmlformats.org/drawingml/2006/diagram" xmlns:c="http://schemas.openxmlformats.org/drawingml/2006/chart" xmlns="">
+    <mc:Fallback xmlns="" xmlns:c="http://schemas.openxmlformats.org/drawingml/2006/chart" xmlns:dgm="http://schemas.openxmlformats.org/drawingml/2006/diagram" xmlns:dsp="http://schemas.microsoft.com/office/drawing/2008/diagram">
       <p:transition/>
     </mc:Fallback>
   </mc:AlternateContent>
@@ -8624,9 +8624,9 @@
         <p:grpSpPr>
           <a:xfrm>
             <a:off x="1452922" y="1659762"/>
-            <a:ext cx="8171455" cy="2610622"/>
+            <a:ext cx="8171455" cy="2259051"/>
             <a:chOff x="1424930" y="1855705"/>
-            <a:chExt cx="8171455" cy="2610622"/>
+            <a:chExt cx="8171455" cy="2259051"/>
           </a:xfrm>
         </p:grpSpPr>
         <p:grpSp>
@@ -8644,9 +8644,9 @@
           <p:grpSpPr>
             <a:xfrm>
               <a:off x="1424930" y="1855705"/>
-              <a:ext cx="8171455" cy="1370182"/>
+              <a:ext cx="8171455" cy="1174872"/>
               <a:chOff x="594505" y="1583240"/>
-              <a:chExt cx="8171455" cy="1370182"/>
+              <a:chExt cx="8171455" cy="1174872"/>
             </a:xfrm>
           </p:grpSpPr>
           <p:sp>
@@ -8719,7 +8719,7 @@
                 <p:spPr>
                   <a:xfrm>
                     <a:off x="920920" y="1975654"/>
-                    <a:ext cx="7845040" cy="977768"/>
+                    <a:ext cx="7845040" cy="782458"/>
                   </a:xfrm>
                   <a:prstGeom prst="rect">
                     <a:avLst/>
@@ -8884,60 +8884,18 @@
                           </a:rPr>
                           <m:t>𝑀</m:t>
                         </m:r>
-                      </m:oMath>
-                    </a14:m>
-                    <a:r>
-                      <a:rPr lang="en-US" altLang="ko-KR" sz="1100" dirty="0">
-                        <a:solidFill>
-                          <a:schemeClr val="tx1">
-                            <a:lumMod val="65000"/>
-                            <a:lumOff val="35000"/>
-                          </a:schemeClr>
-                        </a:solidFill>
-                      </a:rPr>
-                      <a:t>)</a:t>
-                    </a:r>
-                  </a:p>
-                  <a:p>
-                    <a:pPr marL="228600" indent="-228600">
-                      <a:buFontTx/>
-                      <a:buAutoNum type="arabicPeriod"/>
-                    </a:pPr>
-                    <a:r>
-                      <a:rPr lang="en-US" altLang="ko-KR" sz="1100" dirty="0">
-                        <a:solidFill>
-                          <a:schemeClr val="tx1">
-                            <a:lumMod val="65000"/>
-                            <a:lumOff val="35000"/>
-                          </a:schemeClr>
-                        </a:solidFill>
-                      </a:rPr>
-                      <a:t>SU2 </a:t>
-                    </a:r>
-                    <a:r>
-                      <a:rPr lang="ko-KR" altLang="en-US" sz="1100" dirty="0">
-                        <a:solidFill>
-                          <a:schemeClr val="tx1">
-                            <a:lumMod val="65000"/>
-                            <a:lumOff val="35000"/>
-                          </a:schemeClr>
-                        </a:solidFill>
-                      </a:rPr>
-                      <a:t>해석 결과 </a:t>
-                    </a:r>
-                    <a:r>
-                      <a:rPr lang="en-US" altLang="ko-KR" sz="1100" dirty="0">
-                        <a:solidFill>
-                          <a:schemeClr val="tx1">
-                            <a:lumMod val="65000"/>
-                            <a:lumOff val="35000"/>
-                          </a:schemeClr>
-                        </a:solidFill>
-                      </a:rPr>
-                      <a:t>(</a:t>
-                    </a:r>
-                    <a14:m>
-                      <m:oMath xmlns:m="http://schemas.openxmlformats.org/officeDocument/2006/math">
+                        <m:r>
+                          <a:rPr lang="en-US" altLang="ko-KR" sz="1100" b="0" i="1" smtClean="0">
+                            <a:solidFill>
+                              <a:schemeClr val="tx1">
+                                <a:lumMod val="65000"/>
+                                <a:lumOff val="35000"/>
+                              </a:schemeClr>
+                            </a:solidFill>
+                            <a:latin typeface="Cambria Math" panose="02040503050406030204" pitchFamily="18" charset="0"/>
+                          </a:rPr>
+                          <m:t>,</m:t>
+                        </m:r>
                         <m:sSub>
                           <m:sSubPr>
                             <m:ctrlPr>
@@ -9029,7 +8987,7 @@
                 <p:spPr>
                   <a:xfrm>
                     <a:off x="920920" y="1975654"/>
-                    <a:ext cx="7845040" cy="977768"/>
+                    <a:ext cx="7845040" cy="782458"/>
                   </a:xfrm>
                   <a:prstGeom prst="rect">
                     <a:avLst/>
@@ -9037,7 +8995,7 @@
                   <a:blipFill>
                     <a:blip r:embed="rId3"/>
                     <a:stretch>
-                      <a:fillRect l="-78" t="-1875"/>
+                      <a:fillRect l="-78" t="-2344"/>
                     </a:stretch>
                   </a:blipFill>
                 </p:spPr>
@@ -9072,9 +9030,9 @@
           <p:grpSpPr>
             <a:xfrm>
               <a:off x="1471241" y="3314541"/>
-              <a:ext cx="8125144" cy="1151786"/>
+              <a:ext cx="8125144" cy="800215"/>
               <a:chOff x="640816" y="3254612"/>
-              <a:chExt cx="8125144" cy="1151786"/>
+              <a:chExt cx="8125144" cy="800215"/>
             </a:xfrm>
           </p:grpSpPr>
           <p:sp>
@@ -9150,7 +9108,7 @@
                 <p:spPr>
                   <a:xfrm>
                     <a:off x="920920" y="3623940"/>
-                    <a:ext cx="7845040" cy="782458"/>
+                    <a:ext cx="7845040" cy="430887"/>
                   </a:xfrm>
                   <a:prstGeom prst="rect">
                     <a:avLst/>
@@ -9175,7 +9133,7 @@
                           </a:schemeClr>
                         </a:solidFill>
                       </a:rPr>
-                      <a:t>2D_Bump </a:t>
+                      <a:t>3D_oneraM6 </a:t>
                     </a:r>
                     <a:r>
                       <a:rPr lang="ko-KR" altLang="en-US" sz="1100" dirty="0">
@@ -9263,169 +9221,6 @@
                       <a:t>)</a:t>
                     </a:r>
                   </a:p>
-                  <a:p>
-                    <a:pPr marL="228600" indent="-228600">
-                      <a:buFontTx/>
-                      <a:buAutoNum type="arabicPeriod"/>
-                    </a:pPr>
-                    <a:r>
-                      <a:rPr lang="en-US" altLang="ko-KR" sz="1100" dirty="0">
-                        <a:solidFill>
-                          <a:schemeClr val="tx1">
-                            <a:lumMod val="65000"/>
-                            <a:lumOff val="35000"/>
-                          </a:schemeClr>
-                        </a:solidFill>
-                      </a:rPr>
-                      <a:t>SU2 </a:t>
-                    </a:r>
-                    <a:r>
-                      <a:rPr lang="ko-KR" altLang="en-US" sz="1100" dirty="0">
-                        <a:solidFill>
-                          <a:schemeClr val="tx1">
-                            <a:lumMod val="65000"/>
-                            <a:lumOff val="35000"/>
-                          </a:schemeClr>
-                        </a:solidFill>
-                      </a:rPr>
-                      <a:t>해석 결과 </a:t>
-                    </a:r>
-                    <a:r>
-                      <a:rPr lang="en-US" altLang="ko-KR" sz="1100" dirty="0">
-                        <a:solidFill>
-                          <a:schemeClr val="tx1">
-                            <a:lumMod val="65000"/>
-                            <a:lumOff val="35000"/>
-                          </a:schemeClr>
-                        </a:solidFill>
-                      </a:rPr>
-                      <a:t>(</a:t>
-                    </a:r>
-                    <a14:m>
-                      <m:oMath xmlns:m="http://schemas.openxmlformats.org/officeDocument/2006/math">
-                        <m:r>
-                          <a:rPr lang="en-US" altLang="ko-KR" sz="1100" i="1">
-                            <a:solidFill>
-                              <a:schemeClr val="tx1">
-                                <a:lumMod val="65000"/>
-                                <a:lumOff val="35000"/>
-                              </a:schemeClr>
-                            </a:solidFill>
-                            <a:latin typeface="Cambria Math" panose="02040503050406030204" pitchFamily="18" charset="0"/>
-                          </a:rPr>
-                          <m:t>𝑀</m:t>
-                        </m:r>
-                      </m:oMath>
-                    </a14:m>
-                    <a:r>
-                      <a:rPr lang="en-US" altLang="ko-KR" sz="1100" dirty="0">
-                        <a:solidFill>
-                          <a:schemeClr val="tx1">
-                            <a:lumMod val="65000"/>
-                            <a:lumOff val="35000"/>
-                          </a:schemeClr>
-                        </a:solidFill>
-                      </a:rPr>
-                      <a:t>)</a:t>
-                    </a:r>
-                  </a:p>
-                  <a:p>
-                    <a:pPr marL="228600" indent="-228600">
-                      <a:buFontTx/>
-                      <a:buAutoNum type="arabicPeriod"/>
-                    </a:pPr>
-                    <a:r>
-                      <a:rPr lang="en-US" altLang="ko-KR" sz="1100" dirty="0">
-                        <a:solidFill>
-                          <a:schemeClr val="tx1">
-                            <a:lumMod val="65000"/>
-                            <a:lumOff val="35000"/>
-                          </a:schemeClr>
-                        </a:solidFill>
-                      </a:rPr>
-                      <a:t>SU2 </a:t>
-                    </a:r>
-                    <a:r>
-                      <a:rPr lang="ko-KR" altLang="en-US" sz="1100" dirty="0">
-                        <a:solidFill>
-                          <a:schemeClr val="tx1">
-                            <a:lumMod val="65000"/>
-                            <a:lumOff val="35000"/>
-                          </a:schemeClr>
-                        </a:solidFill>
-                      </a:rPr>
-                      <a:t>해석 결과 </a:t>
-                    </a:r>
-                    <a:r>
-                      <a:rPr lang="en-US" altLang="ko-KR" sz="1100" dirty="0">
-                        <a:solidFill>
-                          <a:schemeClr val="tx1">
-                            <a:lumMod val="65000"/>
-                            <a:lumOff val="35000"/>
-                          </a:schemeClr>
-                        </a:solidFill>
-                      </a:rPr>
-                      <a:t>(</a:t>
-                    </a:r>
-                    <a14:m>
-                      <m:oMath xmlns:m="http://schemas.openxmlformats.org/officeDocument/2006/math">
-                        <m:sSub>
-                          <m:sSubPr>
-                            <m:ctrlPr>
-                              <a:rPr lang="ko-KR" altLang="ko-KR" sz="1100" i="1">
-                                <a:solidFill>
-                                  <a:schemeClr val="tx1">
-                                    <a:lumMod val="65000"/>
-                                    <a:lumOff val="35000"/>
-                                  </a:schemeClr>
-                                </a:solidFill>
-                                <a:latin typeface="Cambria Math" panose="02040503050406030204" pitchFamily="18" charset="0"/>
-                              </a:rPr>
-                            </m:ctrlPr>
-                          </m:sSubPr>
-                          <m:e>
-                            <m:r>
-                              <a:rPr lang="en-US" altLang="ko-KR" sz="1100" i="1">
-                                <a:solidFill>
-                                  <a:schemeClr val="tx1">
-                                    <a:lumMod val="65000"/>
-                                    <a:lumOff val="35000"/>
-                                  </a:schemeClr>
-                                </a:solidFill>
-                                <a:latin typeface="Cambria Math" panose="02040503050406030204" pitchFamily="18" charset="0"/>
-                              </a:rPr>
-                              <m:t>𝐶</m:t>
-                            </m:r>
-                          </m:e>
-                          <m:sub>
-                            <m:r>
-                              <a:rPr lang="en-US" altLang="ko-KR" sz="1100" i="1">
-                                <a:solidFill>
-                                  <a:schemeClr val="tx1">
-                                    <a:lumMod val="65000"/>
-                                    <a:lumOff val="35000"/>
-                                  </a:schemeClr>
-                                </a:solidFill>
-                                <a:latin typeface="Cambria Math" panose="02040503050406030204" pitchFamily="18" charset="0"/>
-                              </a:rPr>
-                              <m:t>𝑝</m:t>
-                            </m:r>
-                          </m:sub>
-                        </m:sSub>
-                      </m:oMath>
-                    </a14:m>
-                    <a:r>
-                      <a:rPr lang="en-US" altLang="ko-KR" sz="1100" dirty="0">
-                        <a:solidFill>
-                          <a:schemeClr val="tx1">
-                            <a:lumMod val="65000"/>
-                            <a:lumOff val="35000"/>
-                          </a:schemeClr>
-                        </a:solidFill>
-                      </a:rPr>
-                      <a:t>)</a:t>
-                    </a:r>
-                  </a:p>
                 </p:txBody>
               </p:sp>
             </mc:Choice>
@@ -9447,7 +9242,7 @@
                 <p:spPr>
                   <a:xfrm>
                     <a:off x="920920" y="3623940"/>
-                    <a:ext cx="7845040" cy="782458"/>
+                    <a:ext cx="7845040" cy="430887"/>
                   </a:xfrm>
                   <a:prstGeom prst="rect">
                     <a:avLst/>
@@ -9455,7 +9250,7 @@
                   <a:blipFill>
                     <a:blip r:embed="rId4"/>
                     <a:stretch>
-                      <a:fillRect l="-78" t="-2326" b="-3876"/>
+                      <a:fillRect l="-78" t="-4225" b="-12676"/>
                     </a:stretch>
                   </a:blipFill>
                 </p:spPr>
@@ -9672,7 +9467,7 @@
     <mc:Choice Requires="p14">
       <p:transition/>
     </mc:Choice>
-    <mc:Fallback xmlns:dsp="http://schemas.microsoft.com/office/drawing/2008/diagram" xmlns:dgm="http://schemas.openxmlformats.org/drawingml/2006/diagram" xmlns:c="http://schemas.openxmlformats.org/drawingml/2006/chart" xmlns="">
+    <mc:Fallback xmlns="" xmlns:c="http://schemas.openxmlformats.org/drawingml/2006/chart" xmlns:dgm="http://schemas.openxmlformats.org/drawingml/2006/diagram" xmlns:dsp="http://schemas.microsoft.com/office/drawing/2008/diagram">
       <p:transition/>
     </mc:Fallback>
   </mc:AlternateContent>
@@ -9811,8 +9606,8 @@
             <a:chExt cx="6939875" cy="4093428"/>
           </a:xfrm>
         </p:grpSpPr>
-        <mc:AlternateContent xmlns:mc="http://schemas.openxmlformats.org/markup-compatibility/2006">
-          <mc:Choice xmlns:a14="http://schemas.microsoft.com/office/drawing/2010/main" Requires="a14">
+        <mc:AlternateContent xmlns:mc="http://schemas.openxmlformats.org/markup-compatibility/2006" xmlns:a14="http://schemas.microsoft.com/office/drawing/2010/main">
+          <mc:Choice Requires="a14">
             <p:sp>
               <p:nvSpPr>
                 <p:cNvPr id="8" name="TextBox 7">
@@ -10686,7 +10481,7 @@
               </p:txBody>
             </p:sp>
           </mc:Choice>
-          <mc:Fallback>
+          <mc:Fallback xmlns="">
             <p:sp>
               <p:nvSpPr>
                 <p:cNvPr id="8" name="TextBox 7">
@@ -11465,7 +11260,7 @@
     <mc:Choice Requires="p14">
       <p:transition/>
     </mc:Choice>
-    <mc:Fallback xmlns:dsp="http://schemas.microsoft.com/office/drawing/2008/diagram" xmlns:dgm="http://schemas.openxmlformats.org/drawingml/2006/diagram" xmlns:c="http://schemas.openxmlformats.org/drawingml/2006/chart" xmlns="">
+    <mc:Fallback xmlns="" xmlns:c="http://schemas.openxmlformats.org/drawingml/2006/chart" xmlns:dgm="http://schemas.openxmlformats.org/drawingml/2006/diagram" xmlns:dsp="http://schemas.microsoft.com/office/drawing/2008/diagram">
       <p:transition/>
     </mc:Fallback>
   </mc:AlternateContent>
@@ -14666,7 +14461,7 @@
     <mc:Choice Requires="p14">
       <p:transition/>
     </mc:Choice>
-    <mc:Fallback xmlns:dsp="http://schemas.microsoft.com/office/drawing/2008/diagram" xmlns:dgm="http://schemas.openxmlformats.org/drawingml/2006/diagram" xmlns:c="http://schemas.openxmlformats.org/drawingml/2006/chart" xmlns="">
+    <mc:Fallback xmlns="" xmlns:c="http://schemas.openxmlformats.org/drawingml/2006/chart" xmlns:dgm="http://schemas.openxmlformats.org/drawingml/2006/diagram" xmlns:dsp="http://schemas.microsoft.com/office/drawing/2008/diagram">
       <p:transition/>
     </mc:Fallback>
   </mc:AlternateContent>
@@ -14733,8 +14528,8 @@
           </a:p>
         </p:txBody>
       </p:sp>
-      <mc:AlternateContent xmlns:mc="http://schemas.openxmlformats.org/markup-compatibility/2006">
-        <mc:Choice xmlns:a14="http://schemas.microsoft.com/office/drawing/2010/main" Requires="a14">
+      <mc:AlternateContent xmlns:mc="http://schemas.openxmlformats.org/markup-compatibility/2006" xmlns:a14="http://schemas.microsoft.com/office/drawing/2010/main">
+        <mc:Choice Requires="a14">
           <p:sp>
             <p:nvSpPr>
               <p:cNvPr id="16" name="TextBox 15">
@@ -14821,7 +14616,7 @@
             </p:txBody>
           </p:sp>
         </mc:Choice>
-        <mc:Fallback>
+        <mc:Fallback xmlns="">
           <p:sp>
             <p:nvSpPr>
               <p:cNvPr id="16" name="TextBox 15">
@@ -15513,8 +15308,8 @@
             </p:txBody>
           </p:sp>
         </p:grpSp>
-        <mc:AlternateContent xmlns:mc="http://schemas.openxmlformats.org/markup-compatibility/2006">
-          <mc:Choice xmlns:a14="http://schemas.microsoft.com/office/drawing/2010/main" Requires="a14">
+        <mc:AlternateContent xmlns:mc="http://schemas.openxmlformats.org/markup-compatibility/2006" xmlns:a14="http://schemas.microsoft.com/office/drawing/2010/main">
+          <mc:Choice Requires="a14">
             <p:sp>
               <p:nvSpPr>
                 <p:cNvPr id="18" name="TextBox 17">
@@ -15708,7 +15503,7 @@
               </p:txBody>
             </p:sp>
           </mc:Choice>
-          <mc:Fallback>
+          <mc:Fallback xmlns="">
             <p:sp>
               <p:nvSpPr>
                 <p:cNvPr id="18" name="TextBox 17">
@@ -15768,7 +15563,7 @@
     <mc:Choice Requires="p14">
       <p:transition/>
     </mc:Choice>
-    <mc:Fallback xmlns:dsp="http://schemas.microsoft.com/office/drawing/2008/diagram" xmlns:dgm="http://schemas.openxmlformats.org/drawingml/2006/diagram" xmlns:c="http://schemas.openxmlformats.org/drawingml/2006/chart" xmlns="">
+    <mc:Fallback xmlns="" xmlns:c="http://schemas.openxmlformats.org/drawingml/2006/chart" xmlns:dgm="http://schemas.openxmlformats.org/drawingml/2006/diagram" xmlns:dsp="http://schemas.microsoft.com/office/drawing/2008/diagram">
       <p:transition/>
     </mc:Fallback>
   </mc:AlternateContent>
@@ -15899,8 +15694,8 @@
             <a:chExt cx="6939875" cy="5139869"/>
           </a:xfrm>
         </p:grpSpPr>
-        <mc:AlternateContent xmlns:mc="http://schemas.openxmlformats.org/markup-compatibility/2006">
-          <mc:Choice xmlns:a14="http://schemas.microsoft.com/office/drawing/2010/main" Requires="a14">
+        <mc:AlternateContent xmlns:mc="http://schemas.openxmlformats.org/markup-compatibility/2006" xmlns:a14="http://schemas.microsoft.com/office/drawing/2010/main">
+          <mc:Choice Requires="a14">
             <p:sp>
               <p:nvSpPr>
                 <p:cNvPr id="8" name="TextBox 7">
@@ -16690,7 +16485,7 @@
               </p:txBody>
             </p:sp>
           </mc:Choice>
-          <mc:Fallback>
+          <mc:Fallback xmlns="">
             <p:sp>
               <p:nvSpPr>
                 <p:cNvPr id="8" name="TextBox 7">
@@ -17688,7 +17483,7 @@
     <mc:Choice Requires="p14">
       <p:transition/>
     </mc:Choice>
-    <mc:Fallback xmlns:dsp="http://schemas.microsoft.com/office/drawing/2008/diagram" xmlns:dgm="http://schemas.openxmlformats.org/drawingml/2006/diagram" xmlns:c="http://schemas.openxmlformats.org/drawingml/2006/chart" xmlns="">
+    <mc:Fallback xmlns="" xmlns:c="http://schemas.openxmlformats.org/drawingml/2006/chart" xmlns:dgm="http://schemas.openxmlformats.org/drawingml/2006/diagram" xmlns:dsp="http://schemas.microsoft.com/office/drawing/2008/diagram">
       <p:transition/>
     </mc:Fallback>
   </mc:AlternateContent>
@@ -19814,7 +19609,7 @@
     <mc:Choice Requires="p14">
       <p:transition/>
     </mc:Choice>
-    <mc:Fallback xmlns:dsp="http://schemas.microsoft.com/office/drawing/2008/diagram" xmlns:dgm="http://schemas.openxmlformats.org/drawingml/2006/diagram" xmlns:c="http://schemas.openxmlformats.org/drawingml/2006/chart" xmlns="">
+    <mc:Fallback xmlns="" xmlns:c="http://schemas.openxmlformats.org/drawingml/2006/chart" xmlns:dgm="http://schemas.openxmlformats.org/drawingml/2006/diagram" xmlns:dsp="http://schemas.microsoft.com/office/drawing/2008/diagram">
       <p:transition/>
     </mc:Fallback>
   </mc:AlternateContent>
@@ -20979,7 +20774,7 @@
     <mc:Choice Requires="p14">
       <p:transition/>
     </mc:Choice>
-    <mc:Fallback xmlns:dsp="http://schemas.microsoft.com/office/drawing/2008/diagram" xmlns:dgm="http://schemas.openxmlformats.org/drawingml/2006/diagram" xmlns:c="http://schemas.openxmlformats.org/drawingml/2006/chart" xmlns="">
+    <mc:Fallback xmlns="" xmlns:c="http://schemas.openxmlformats.org/drawingml/2006/chart" xmlns:dgm="http://schemas.openxmlformats.org/drawingml/2006/diagram" xmlns:dsp="http://schemas.microsoft.com/office/drawing/2008/diagram">
       <p:transition/>
     </mc:Fallback>
   </mc:AlternateContent>
@@ -21170,7 +20965,7 @@
     <mc:Choice Requires="p14">
       <p:transition/>
     </mc:Choice>
-    <mc:Fallback xmlns:dsp="http://schemas.microsoft.com/office/drawing/2008/diagram" xmlns:dgm="http://schemas.openxmlformats.org/drawingml/2006/diagram" xmlns:c="http://schemas.openxmlformats.org/drawingml/2006/chart" xmlns="">
+    <mc:Fallback xmlns="" xmlns:c="http://schemas.openxmlformats.org/drawingml/2006/chart" xmlns:dgm="http://schemas.openxmlformats.org/drawingml/2006/diagram" xmlns:dsp="http://schemas.microsoft.com/office/drawing/2008/diagram">
       <p:transition/>
     </mc:Fallback>
   </mc:AlternateContent>
